--- a/document/MA305 Math Puzzles.pptx
+++ b/document/MA305 Math Puzzles.pptx
@@ -203,7 +203,7 @@
           <a:p>
             <a:fld id="{09B27BAD-9BC2-4A43-BC32-6407712EB3C3}" type="datetimeFigureOut">
               <a:rPr lang="en-US" smtClean="0"/>
-              <a:t>5/24/2020</a:t>
+              <a:t>8/27/2020</a:t>
             </a:fld>
             <a:endParaRPr lang="en-US"/>
           </a:p>
@@ -602,7 +602,7 @@
           <a:p>
             <a:fld id="{48A87A34-81AB-432B-8DAE-1953F412C126}" type="datetimeFigureOut">
               <a:rPr lang="en-US" smtClean="0"/>
-              <a:t>5/24/2020</a:t>
+              <a:t>8/27/2020</a:t>
             </a:fld>
             <a:endParaRPr lang="en-US" dirty="0"/>
           </a:p>
@@ -772,7 +772,7 @@
           <a:p>
             <a:fld id="{48A87A34-81AB-432B-8DAE-1953F412C126}" type="datetimeFigureOut">
               <a:rPr lang="en-US" smtClean="0"/>
-              <a:t>5/24/2020</a:t>
+              <a:t>8/27/2020</a:t>
             </a:fld>
             <a:endParaRPr lang="en-US" dirty="0"/>
           </a:p>
@@ -952,7 +952,7 @@
           <a:p>
             <a:fld id="{48A87A34-81AB-432B-8DAE-1953F412C126}" type="datetimeFigureOut">
               <a:rPr lang="en-US" smtClean="0"/>
-              <a:t>5/24/2020</a:t>
+              <a:t>8/27/2020</a:t>
             </a:fld>
             <a:endParaRPr lang="en-US" dirty="0"/>
           </a:p>
@@ -1122,7 +1122,7 @@
           <a:p>
             <a:fld id="{48A87A34-81AB-432B-8DAE-1953F412C126}" type="datetimeFigureOut">
               <a:rPr lang="en-US" smtClean="0"/>
-              <a:t>5/24/2020</a:t>
+              <a:t>8/27/2020</a:t>
             </a:fld>
             <a:endParaRPr lang="en-US" dirty="0"/>
           </a:p>
@@ -1368,7 +1368,7 @@
           <a:p>
             <a:fld id="{48A87A34-81AB-432B-8DAE-1953F412C126}" type="datetimeFigureOut">
               <a:rPr lang="en-US" smtClean="0"/>
-              <a:t>5/24/2020</a:t>
+              <a:t>8/27/2020</a:t>
             </a:fld>
             <a:endParaRPr lang="en-US" dirty="0"/>
           </a:p>
@@ -1600,7 +1600,7 @@
           <a:p>
             <a:fld id="{48A87A34-81AB-432B-8DAE-1953F412C126}" type="datetimeFigureOut">
               <a:rPr lang="en-US" smtClean="0"/>
-              <a:t>5/24/2020</a:t>
+              <a:t>8/27/2020</a:t>
             </a:fld>
             <a:endParaRPr lang="en-US" dirty="0"/>
           </a:p>
@@ -1967,7 +1967,7 @@
           <a:p>
             <a:fld id="{48A87A34-81AB-432B-8DAE-1953F412C126}" type="datetimeFigureOut">
               <a:rPr lang="en-US" smtClean="0"/>
-              <a:t>5/24/2020</a:t>
+              <a:t>8/27/2020</a:t>
             </a:fld>
             <a:endParaRPr lang="en-US" dirty="0"/>
           </a:p>
@@ -2085,7 +2085,7 @@
           <a:p>
             <a:fld id="{48A87A34-81AB-432B-8DAE-1953F412C126}" type="datetimeFigureOut">
               <a:rPr lang="en-US" smtClean="0"/>
-              <a:t>5/24/2020</a:t>
+              <a:t>8/27/2020</a:t>
             </a:fld>
             <a:endParaRPr lang="en-US" dirty="0"/>
           </a:p>
@@ -2180,7 +2180,7 @@
           <a:p>
             <a:fld id="{48A87A34-81AB-432B-8DAE-1953F412C126}" type="datetimeFigureOut">
               <a:rPr lang="en-US" smtClean="0"/>
-              <a:t>5/24/2020</a:t>
+              <a:t>8/27/2020</a:t>
             </a:fld>
             <a:endParaRPr lang="en-US" dirty="0"/>
           </a:p>
@@ -2457,7 +2457,7 @@
           <a:p>
             <a:fld id="{48A87A34-81AB-432B-8DAE-1953F412C126}" type="datetimeFigureOut">
               <a:rPr lang="en-US" smtClean="0"/>
-              <a:t>5/24/2020</a:t>
+              <a:t>8/27/2020</a:t>
             </a:fld>
             <a:endParaRPr lang="en-US" dirty="0"/>
           </a:p>
@@ -2710,7 +2710,7 @@
           <a:p>
             <a:fld id="{48A87A34-81AB-432B-8DAE-1953F412C126}" type="datetimeFigureOut">
               <a:rPr lang="en-US" smtClean="0"/>
-              <a:t>5/24/2020</a:t>
+              <a:t>8/27/2020</a:t>
             </a:fld>
             <a:endParaRPr lang="en-US" dirty="0"/>
           </a:p>
@@ -2924,7 +2924,7 @@
             <a:fld id="{48A87A34-81AB-432B-8DAE-1953F412C126}" type="datetimeFigureOut">
               <a:rPr lang="en-US" smtClean="0"/>
               <a:pPr/>
-              <a:t>5/24/2020</a:t>
+              <a:t>8/27/2020</a:t>
             </a:fld>
             <a:endParaRPr lang="en-US" dirty="0"/>
           </a:p>
@@ -4256,7 +4256,7 @@
           <p:nvPr>
             <p:extLst>
               <p:ext uri="{D42A27DB-BD31-4B8C-83A1-F6EECF244321}">
-                <p14:modId xmlns:p14="http://schemas.microsoft.com/office/powerpoint/2010/main" val="1417981008"/>
+                <p14:modId xmlns:p14="http://schemas.microsoft.com/office/powerpoint/2010/main" val="515748923"/>
               </p:ext>
             </p:extLst>
           </p:nvPr>
@@ -4269,7 +4269,7 @@
           <a:graphicData uri="http://schemas.openxmlformats.org/presentationml/2006/ole">
             <mc:AlternateContent xmlns:mc="http://schemas.openxmlformats.org/markup-compatibility/2006">
               <mc:Choice xmlns:v="urn:schemas-microsoft-com:vml" Requires="v">
-                <p:oleObj spid="_x0000_s7183" name="Equation" r:id="rId4" imgW="3060360" imgH="482400" progId="Equation.DSMT4">
+                <p:oleObj spid="_x0000_s7186" name="Equation" r:id="rId4" imgW="3060360" imgH="482400" progId="Equation.DSMT4">
                   <p:embed/>
                 </p:oleObj>
               </mc:Choice>
@@ -4355,7 +4355,15 @@
                   <a:srgbClr val="0000FF"/>
                 </a:solidFill>
               </a:rPr>
-              <a:t>Lets do our analysis with a base of 6 (</a:t>
+              <a:t>Let’s </a:t>
+            </a:r>
+            <a:r>
+              <a:rPr lang="en-US" sz="2400" dirty="0" smtClean="0">
+                <a:solidFill>
+                  <a:srgbClr val="0000FF"/>
+                </a:solidFill>
+              </a:rPr>
+              <a:t>do our analysis with a base of 6 (</a:t>
             </a:r>
             <a:r>
               <a:rPr lang="en-US" sz="2400" dirty="0" err="1" smtClean="0">
@@ -5292,7 +5300,7 @@
           <a:graphicData uri="http://schemas.openxmlformats.org/presentationml/2006/ole">
             <mc:AlternateContent xmlns:mc="http://schemas.openxmlformats.org/markup-compatibility/2006">
               <mc:Choice xmlns:v="urn:schemas-microsoft-com:vml" Requires="v">
-                <p:oleObj spid="_x0000_s8260" name="Equation" r:id="rId5" imgW="380880" imgH="190440" progId="Equation.DSMT4">
+                <p:oleObj spid="_x0000_s8278" name="Equation" r:id="rId5" imgW="380880" imgH="190440" progId="Equation.DSMT4">
                   <p:embed/>
                 </p:oleObj>
               </mc:Choice>
@@ -5349,7 +5357,7 @@
           <a:graphicData uri="http://schemas.openxmlformats.org/presentationml/2006/ole">
             <mc:AlternateContent xmlns:mc="http://schemas.openxmlformats.org/markup-compatibility/2006">
               <mc:Choice xmlns:v="urn:schemas-microsoft-com:vml" Requires="v">
-                <p:oleObj spid="_x0000_s8261" name="Equation" r:id="rId7" imgW="406080" imgH="190440" progId="Equation.DSMT4">
+                <p:oleObj spid="_x0000_s8279" name="Equation" r:id="rId7" imgW="406080" imgH="190440" progId="Equation.DSMT4">
                   <p:embed/>
                 </p:oleObj>
               </mc:Choice>
@@ -5406,7 +5414,7 @@
           <a:graphicData uri="http://schemas.openxmlformats.org/presentationml/2006/ole">
             <mc:AlternateContent xmlns:mc="http://schemas.openxmlformats.org/markup-compatibility/2006">
               <mc:Choice xmlns:v="urn:schemas-microsoft-com:vml" Requires="v">
-                <p:oleObj spid="_x0000_s8262" name="Equation" r:id="rId9" imgW="419040" imgH="190440" progId="Equation.DSMT4">
+                <p:oleObj spid="_x0000_s8280" name="Equation" r:id="rId9" imgW="419040" imgH="190440" progId="Equation.DSMT4">
                   <p:embed/>
                 </p:oleObj>
               </mc:Choice>
@@ -5463,7 +5471,7 @@
           <a:graphicData uri="http://schemas.openxmlformats.org/presentationml/2006/ole">
             <mc:AlternateContent xmlns:mc="http://schemas.openxmlformats.org/markup-compatibility/2006">
               <mc:Choice xmlns:v="urn:schemas-microsoft-com:vml" Requires="v">
-                <p:oleObj spid="_x0000_s8263" name="Equation" r:id="rId11" imgW="406080" imgH="203040" progId="Equation.DSMT4">
+                <p:oleObj spid="_x0000_s8281" name="Equation" r:id="rId11" imgW="406080" imgH="203040" progId="Equation.DSMT4">
                   <p:embed/>
                 </p:oleObj>
               </mc:Choice>
@@ -5520,7 +5528,7 @@
           <a:graphicData uri="http://schemas.openxmlformats.org/presentationml/2006/ole">
             <mc:AlternateContent xmlns:mc="http://schemas.openxmlformats.org/markup-compatibility/2006">
               <mc:Choice xmlns:v="urn:schemas-microsoft-com:vml" Requires="v">
-                <p:oleObj spid="_x0000_s8264" name="Equation" r:id="rId13" imgW="2920680" imgH="253800" progId="Equation.DSMT4">
+                <p:oleObj spid="_x0000_s8282" name="Equation" r:id="rId13" imgW="2920680" imgH="253800" progId="Equation.DSMT4">
                   <p:embed/>
                 </p:oleObj>
               </mc:Choice>
@@ -5577,7 +5585,7 @@
           <a:graphicData uri="http://schemas.openxmlformats.org/presentationml/2006/ole">
             <mc:AlternateContent xmlns:mc="http://schemas.openxmlformats.org/markup-compatibility/2006">
               <mc:Choice xmlns:v="urn:schemas-microsoft-com:vml" Requires="v">
-                <p:oleObj spid="_x0000_s8265" name="Equation" r:id="rId15" imgW="1790640" imgH="1854000" progId="Equation.DSMT4">
+                <p:oleObj spid="_x0000_s8283" name="Equation" r:id="rId15" imgW="1790640" imgH="1854000" progId="Equation.DSMT4">
                   <p:embed/>
                 </p:oleObj>
               </mc:Choice>
